--- a/Lesson14/Lesson Material/13. Multidimensional Arrays en.pptx
+++ b/Lesson14/Lesson Material/13. Multidimensional Arrays en.pptx
@@ -333,841 +333,30 @@
 </p:presentation>
 </file>
 
-<file path=ppt/revisionInfo.xml><?xml version="1.0" encoding="utf-8"?>
-<p1510:revInfo xmlns:a="http://schemas.openxmlformats.org/drawingml/2006/main" xmlns:r="http://schemas.openxmlformats.org/officeDocument/2006/relationships" xmlns:p1510="http://schemas.microsoft.com/office/powerpoint/2015/10/main">
-  <p1510:revLst>
-    <p1510:client id="{F04EA92F-A6EF-46A5-86D8-BF469DF67124}" v="18" dt="2023-06-27T19:52:07.883"/>
-  </p1510:revLst>
-</p1510:revInfo>
-</file>
-
 <file path=ppt/changesInfos/changesInfo1.xml><?xml version="1.0" encoding="utf-8"?>
 <pc:chgInfo xmlns:a="http://schemas.openxmlformats.org/drawingml/2006/main" xmlns:r="http://schemas.openxmlformats.org/officeDocument/2006/relationships" xmlns:ac="http://schemas.microsoft.com/office/drawing/2013/main/command" xmlns:pc="http://schemas.microsoft.com/office/powerpoint/2013/main/command">
   <pc:docChgLst>
-    <pc:chgData name="Edvinas K" userId="7d071e26f81614c5" providerId="LiveId" clId="{F04EA92F-A6EF-46A5-86D8-BF469DF67124}"/>
-    <pc:docChg chg="undo redo custSel addSld delSld modSld sldOrd modMainMaster">
-      <pc:chgData name="Edvinas K" userId="7d071e26f81614c5" providerId="LiveId" clId="{F04EA92F-A6EF-46A5-86D8-BF469DF67124}" dt="2023-06-28T14:23:59.416" v="3097" actId="20577"/>
+    <pc:chgData name="Rokas Slaboševičius" userId="5b5a1ad6-e0e0-4118-b388-ee941114d16c" providerId="ADAL" clId="{22EB082D-AAB9-4D13-8A3B-0A822EE3FCCF}"/>
+    <pc:docChg chg="modSld">
+      <pc:chgData name="Rokas Slaboševičius" userId="5b5a1ad6-e0e0-4118-b388-ee941114d16c" providerId="ADAL" clId="{22EB082D-AAB9-4D13-8A3B-0A822EE3FCCF}" dt="2023-11-23T19:32:07.573" v="13" actId="20577"/>
       <pc:docMkLst>
         <pc:docMk/>
       </pc:docMkLst>
-      <pc:sldChg chg="modSp mod modTransition">
-        <pc:chgData name="Edvinas K" userId="7d071e26f81614c5" providerId="LiveId" clId="{F04EA92F-A6EF-46A5-86D8-BF469DF67124}" dt="2023-06-27T19:52:07.883" v="3011"/>
-        <pc:sldMkLst>
-          <pc:docMk/>
-          <pc:sldMk cId="0" sldId="257"/>
-        </pc:sldMkLst>
-        <pc:spChg chg="mod">
-          <ac:chgData name="Edvinas K" userId="7d071e26f81614c5" providerId="LiveId" clId="{F04EA92F-A6EF-46A5-86D8-BF469DF67124}" dt="2023-06-27T13:20:47.049" v="277" actId="20577"/>
-          <ac:spMkLst>
-            <pc:docMk/>
-            <pc:sldMk cId="0" sldId="257"/>
-            <ac:spMk id="150" creationId="{00000000-0000-0000-0000-000000000000}"/>
-          </ac:spMkLst>
-        </pc:spChg>
-      </pc:sldChg>
-      <pc:sldChg chg="delSp modSp mod modTransition">
-        <pc:chgData name="Edvinas K" userId="7d071e26f81614c5" providerId="LiveId" clId="{F04EA92F-A6EF-46A5-86D8-BF469DF67124}" dt="2023-06-27T19:52:07.883" v="3011"/>
-        <pc:sldMkLst>
-          <pc:docMk/>
-          <pc:sldMk cId="0" sldId="277"/>
-        </pc:sldMkLst>
-        <pc:spChg chg="mod">
-          <ac:chgData name="Edvinas K" userId="7d071e26f81614c5" providerId="LiveId" clId="{F04EA92F-A6EF-46A5-86D8-BF469DF67124}" dt="2023-06-27T13:22:13.724" v="290"/>
-          <ac:spMkLst>
-            <pc:docMk/>
-            <pc:sldMk cId="0" sldId="277"/>
-            <ac:spMk id="329" creationId="{00000000-0000-0000-0000-000000000000}"/>
-          </ac:spMkLst>
-        </pc:spChg>
-        <pc:spChg chg="del">
-          <ac:chgData name="Edvinas K" userId="7d071e26f81614c5" providerId="LiveId" clId="{F04EA92F-A6EF-46A5-86D8-BF469DF67124}" dt="2023-06-27T19:20:41.220" v="2366" actId="478"/>
-          <ac:spMkLst>
-            <pc:docMk/>
-            <pc:sldMk cId="0" sldId="277"/>
-            <ac:spMk id="330" creationId="{00000000-0000-0000-0000-000000000000}"/>
-          </ac:spMkLst>
-        </pc:spChg>
-        <pc:spChg chg="mod">
-          <ac:chgData name="Edvinas K" userId="7d071e26f81614c5" providerId="LiveId" clId="{F04EA92F-A6EF-46A5-86D8-BF469DF67124}" dt="2023-06-27T19:21:04.669" v="2368" actId="20577"/>
-          <ac:spMkLst>
-            <pc:docMk/>
-            <pc:sldMk cId="0" sldId="277"/>
-            <ac:spMk id="333" creationId="{00000000-0000-0000-0000-000000000000}"/>
-          </ac:spMkLst>
-        </pc:spChg>
-      </pc:sldChg>
-      <pc:sldChg chg="addSp delSp modSp mod modTransition">
-        <pc:chgData name="Edvinas K" userId="7d071e26f81614c5" providerId="LiveId" clId="{F04EA92F-A6EF-46A5-86D8-BF469DF67124}" dt="2023-06-27T19:52:07.883" v="3011"/>
-        <pc:sldMkLst>
-          <pc:docMk/>
-          <pc:sldMk cId="227813620" sldId="280"/>
-        </pc:sldMkLst>
-        <pc:spChg chg="add del mod">
-          <ac:chgData name="Edvinas K" userId="7d071e26f81614c5" providerId="LiveId" clId="{F04EA92F-A6EF-46A5-86D8-BF469DF67124}" dt="2023-06-27T19:42:54.160" v="2628" actId="478"/>
-          <ac:spMkLst>
-            <pc:docMk/>
-            <pc:sldMk cId="227813620" sldId="280"/>
-            <ac:spMk id="3" creationId="{F91EB63C-FE88-6E12-627A-C4AD05A0EB41}"/>
-          </ac:spMkLst>
-        </pc:spChg>
-        <pc:spChg chg="add del mod">
-          <ac:chgData name="Edvinas K" userId="7d071e26f81614c5" providerId="LiveId" clId="{F04EA92F-A6EF-46A5-86D8-BF469DF67124}" dt="2023-06-27T19:42:54.160" v="2628" actId="478"/>
-          <ac:spMkLst>
-            <pc:docMk/>
-            <pc:sldMk cId="227813620" sldId="280"/>
-            <ac:spMk id="5" creationId="{5CD4F77D-2093-189C-C039-DF8033DBC90C}"/>
-          </ac:spMkLst>
-        </pc:spChg>
-        <pc:spChg chg="add del mod">
-          <ac:chgData name="Edvinas K" userId="7d071e26f81614c5" providerId="LiveId" clId="{F04EA92F-A6EF-46A5-86D8-BF469DF67124}" dt="2023-06-27T19:42:54.160" v="2628" actId="478"/>
-          <ac:spMkLst>
-            <pc:docMk/>
-            <pc:sldMk cId="227813620" sldId="280"/>
-            <ac:spMk id="7" creationId="{1AC5CD8F-7368-7E15-2C56-5C6E4D95DDA0}"/>
-          </ac:spMkLst>
-        </pc:spChg>
-        <pc:spChg chg="mod">
-          <ac:chgData name="Edvinas K" userId="7d071e26f81614c5" providerId="LiveId" clId="{F04EA92F-A6EF-46A5-86D8-BF469DF67124}" dt="2023-06-27T13:21:50.237" v="278"/>
-          <ac:spMkLst>
-            <pc:docMk/>
-            <pc:sldMk cId="227813620" sldId="280"/>
-            <ac:spMk id="218" creationId="{00000000-0000-0000-0000-000000000000}"/>
-          </ac:spMkLst>
-        </pc:spChg>
-        <pc:spChg chg="mod">
-          <ac:chgData name="Edvinas K" userId="7d071e26f81614c5" providerId="LiveId" clId="{F04EA92F-A6EF-46A5-86D8-BF469DF67124}" dt="2023-06-27T13:20:32.230" v="246" actId="20577"/>
-          <ac:spMkLst>
-            <pc:docMk/>
-            <pc:sldMk cId="227813620" sldId="280"/>
-            <ac:spMk id="220" creationId="{00000000-0000-0000-0000-000000000000}"/>
-          </ac:spMkLst>
-        </pc:spChg>
-        <pc:spChg chg="mod">
-          <ac:chgData name="Edvinas K" userId="7d071e26f81614c5" providerId="LiveId" clId="{F04EA92F-A6EF-46A5-86D8-BF469DF67124}" dt="2023-06-27T13:20:29.906" v="239"/>
-          <ac:spMkLst>
-            <pc:docMk/>
-            <pc:sldMk cId="227813620" sldId="280"/>
-            <ac:spMk id="221" creationId="{00000000-0000-0000-0000-000000000000}"/>
-          </ac:spMkLst>
-        </pc:spChg>
-        <pc:spChg chg="mod">
-          <ac:chgData name="Edvinas K" userId="7d071e26f81614c5" providerId="LiveId" clId="{F04EA92F-A6EF-46A5-86D8-BF469DF67124}" dt="2023-06-27T13:20:25.979" v="237"/>
-          <ac:spMkLst>
-            <pc:docMk/>
-            <pc:sldMk cId="227813620" sldId="280"/>
-            <ac:spMk id="222" creationId="{00000000-0000-0000-0000-000000000000}"/>
-          </ac:spMkLst>
-        </pc:spChg>
-        <pc:spChg chg="del">
-          <ac:chgData name="Edvinas K" userId="7d071e26f81614c5" providerId="LiveId" clId="{F04EA92F-A6EF-46A5-86D8-BF469DF67124}" dt="2023-06-27T19:42:52.753" v="2627" actId="478"/>
-          <ac:spMkLst>
-            <pc:docMk/>
-            <pc:sldMk cId="227813620" sldId="280"/>
-            <ac:spMk id="223" creationId="{00000000-0000-0000-0000-000000000000}"/>
-          </ac:spMkLst>
-        </pc:spChg>
-        <pc:spChg chg="del">
-          <ac:chgData name="Edvinas K" userId="7d071e26f81614c5" providerId="LiveId" clId="{F04EA92F-A6EF-46A5-86D8-BF469DF67124}" dt="2023-06-27T19:42:52.753" v="2627" actId="478"/>
-          <ac:spMkLst>
-            <pc:docMk/>
-            <pc:sldMk cId="227813620" sldId="280"/>
-            <ac:spMk id="224" creationId="{00000000-0000-0000-0000-000000000000}"/>
-          </ac:spMkLst>
-        </pc:spChg>
-        <pc:spChg chg="del">
-          <ac:chgData name="Edvinas K" userId="7d071e26f81614c5" providerId="LiveId" clId="{F04EA92F-A6EF-46A5-86D8-BF469DF67124}" dt="2023-06-27T19:42:52.753" v="2627" actId="478"/>
-          <ac:spMkLst>
-            <pc:docMk/>
-            <pc:sldMk cId="227813620" sldId="280"/>
-            <ac:spMk id="225" creationId="{00000000-0000-0000-0000-000000000000}"/>
-          </ac:spMkLst>
-        </pc:spChg>
-        <pc:grpChg chg="del">
-          <ac:chgData name="Edvinas K" userId="7d071e26f81614c5" providerId="LiveId" clId="{F04EA92F-A6EF-46A5-86D8-BF469DF67124}" dt="2023-06-27T19:42:52.753" v="2627" actId="478"/>
-          <ac:grpSpMkLst>
-            <pc:docMk/>
-            <pc:sldMk cId="227813620" sldId="280"/>
-            <ac:grpSpMk id="237" creationId="{00000000-0000-0000-0000-000000000000}"/>
-          </ac:grpSpMkLst>
-        </pc:grpChg>
-        <pc:grpChg chg="del">
-          <ac:chgData name="Edvinas K" userId="7d071e26f81614c5" providerId="LiveId" clId="{F04EA92F-A6EF-46A5-86D8-BF469DF67124}" dt="2023-06-27T19:42:52.753" v="2627" actId="478"/>
-          <ac:grpSpMkLst>
-            <pc:docMk/>
-            <pc:sldMk cId="227813620" sldId="280"/>
-            <ac:grpSpMk id="240" creationId="{00000000-0000-0000-0000-000000000000}"/>
-          </ac:grpSpMkLst>
-        </pc:grpChg>
-        <pc:grpChg chg="del">
-          <ac:chgData name="Edvinas K" userId="7d071e26f81614c5" providerId="LiveId" clId="{F04EA92F-A6EF-46A5-86D8-BF469DF67124}" dt="2023-06-27T19:42:52.753" v="2627" actId="478"/>
-          <ac:grpSpMkLst>
-            <pc:docMk/>
-            <pc:sldMk cId="227813620" sldId="280"/>
-            <ac:grpSpMk id="243" creationId="{00000000-0000-0000-0000-000000000000}"/>
-          </ac:grpSpMkLst>
-        </pc:grpChg>
-      </pc:sldChg>
-      <pc:sldChg chg="modSp mod ord modTransition">
-        <pc:chgData name="Edvinas K" userId="7d071e26f81614c5" providerId="LiveId" clId="{F04EA92F-A6EF-46A5-86D8-BF469DF67124}" dt="2023-06-27T19:52:07.883" v="3011"/>
-        <pc:sldMkLst>
-          <pc:docMk/>
-          <pc:sldMk cId="572271074" sldId="334"/>
-        </pc:sldMkLst>
-        <pc:spChg chg="mod">
-          <ac:chgData name="Edvinas K" userId="7d071e26f81614c5" providerId="LiveId" clId="{F04EA92F-A6EF-46A5-86D8-BF469DF67124}" dt="2023-06-27T16:10:23.937" v="1121" actId="20577"/>
-          <ac:spMkLst>
-            <pc:docMk/>
-            <pc:sldMk cId="572271074" sldId="334"/>
-            <ac:spMk id="7" creationId="{8393EA32-1E5C-4940-ABB7-ACA92E12BC62}"/>
-          </ac:spMkLst>
-        </pc:spChg>
-        <pc:spChg chg="mod">
-          <ac:chgData name="Edvinas K" userId="7d071e26f81614c5" providerId="LiveId" clId="{F04EA92F-A6EF-46A5-86D8-BF469DF67124}" dt="2023-06-27T13:22:10.614" v="289"/>
-          <ac:spMkLst>
-            <pc:docMk/>
-            <pc:sldMk cId="572271074" sldId="334"/>
-            <ac:spMk id="194" creationId="{00000000-0000-0000-0000-000000000000}"/>
-          </ac:spMkLst>
-        </pc:spChg>
-        <pc:picChg chg="mod">
-          <ac:chgData name="Edvinas K" userId="7d071e26f81614c5" providerId="LiveId" clId="{F04EA92F-A6EF-46A5-86D8-BF469DF67124}" dt="2023-06-27T14:27:30.593" v="352" actId="1076"/>
-          <ac:picMkLst>
-            <pc:docMk/>
-            <pc:sldMk cId="572271074" sldId="334"/>
-            <ac:picMk id="6" creationId="{9BD39082-EE2F-9B4F-A3C9-2A11A9B5629A}"/>
-          </ac:picMkLst>
-        </pc:picChg>
-      </pc:sldChg>
-      <pc:sldChg chg="modSp del mod">
-        <pc:chgData name="Edvinas K" userId="7d071e26f81614c5" providerId="LiveId" clId="{F04EA92F-A6EF-46A5-86D8-BF469DF67124}" dt="2023-06-27T14:24:45.281" v="331" actId="47"/>
-        <pc:sldMkLst>
-          <pc:docMk/>
-          <pc:sldMk cId="1624274024" sldId="364"/>
-        </pc:sldMkLst>
-        <pc:spChg chg="mod">
-          <ac:chgData name="Edvinas K" userId="7d071e26f81614c5" providerId="LiveId" clId="{F04EA92F-A6EF-46A5-86D8-BF469DF67124}" dt="2023-06-27T13:21:54.793" v="282"/>
-          <ac:spMkLst>
-            <pc:docMk/>
-            <pc:sldMk cId="1624274024" sldId="364"/>
-            <ac:spMk id="124" creationId="{00000000-0000-0000-0000-000000000000}"/>
-          </ac:spMkLst>
-        </pc:spChg>
-      </pc:sldChg>
-      <pc:sldChg chg="add del">
-        <pc:chgData name="Edvinas K" userId="7d071e26f81614c5" providerId="LiveId" clId="{F04EA92F-A6EF-46A5-86D8-BF469DF67124}" dt="2023-06-27T10:53:13.225" v="124" actId="2890"/>
-        <pc:sldMkLst>
-          <pc:docMk/>
-          <pc:sldMk cId="915775266" sldId="365"/>
-        </pc:sldMkLst>
-      </pc:sldChg>
-      <pc:sldChg chg="addSp modSp add mod modTransition">
-        <pc:chgData name="Edvinas K" userId="7d071e26f81614c5" providerId="LiveId" clId="{F04EA92F-A6EF-46A5-86D8-BF469DF67124}" dt="2023-06-27T19:52:07.883" v="3011"/>
-        <pc:sldMkLst>
-          <pc:docMk/>
-          <pc:sldMk cId="1154839286" sldId="365"/>
-        </pc:sldMkLst>
-        <pc:spChg chg="mod">
-          <ac:chgData name="Edvinas K" userId="7d071e26f81614c5" providerId="LiveId" clId="{F04EA92F-A6EF-46A5-86D8-BF469DF67124}" dt="2023-06-27T10:54:30.326" v="159"/>
-          <ac:spMkLst>
-            <pc:docMk/>
-            <pc:sldMk cId="1154839286" sldId="365"/>
-            <ac:spMk id="123" creationId="{00000000-0000-0000-0000-000000000000}"/>
-          </ac:spMkLst>
-        </pc:spChg>
-        <pc:spChg chg="mod">
-          <ac:chgData name="Edvinas K" userId="7d071e26f81614c5" providerId="LiveId" clId="{F04EA92F-A6EF-46A5-86D8-BF469DF67124}" dt="2023-06-27T13:21:59.259" v="284"/>
-          <ac:spMkLst>
-            <pc:docMk/>
-            <pc:sldMk cId="1154839286" sldId="365"/>
-            <ac:spMk id="124" creationId="{00000000-0000-0000-0000-000000000000}"/>
-          </ac:spMkLst>
-        </pc:spChg>
-        <pc:spChg chg="mod">
-          <ac:chgData name="Edvinas K" userId="7d071e26f81614c5" providerId="LiveId" clId="{F04EA92F-A6EF-46A5-86D8-BF469DF67124}" dt="2023-06-27T10:54:14.240" v="155"/>
-          <ac:spMkLst>
-            <pc:docMk/>
-            <pc:sldMk cId="1154839286" sldId="365"/>
-            <ac:spMk id="125" creationId="{00000000-0000-0000-0000-000000000000}"/>
-          </ac:spMkLst>
-        </pc:spChg>
-        <pc:picChg chg="add mod">
-          <ac:chgData name="Edvinas K" userId="7d071e26f81614c5" providerId="LiveId" clId="{F04EA92F-A6EF-46A5-86D8-BF469DF67124}" dt="2023-06-27T16:11:56.456" v="1126" actId="1076"/>
-          <ac:picMkLst>
-            <pc:docMk/>
-            <pc:sldMk cId="1154839286" sldId="365"/>
-            <ac:picMk id="3" creationId="{825D1FE2-5359-62A5-612A-D72C40D6E821}"/>
-          </ac:picMkLst>
-        </pc:picChg>
-      </pc:sldChg>
-      <pc:sldChg chg="addSp modSp add mod modTransition">
-        <pc:chgData name="Edvinas K" userId="7d071e26f81614c5" providerId="LiveId" clId="{F04EA92F-A6EF-46A5-86D8-BF469DF67124}" dt="2023-06-27T19:52:07.883" v="3011"/>
-        <pc:sldMkLst>
-          <pc:docMk/>
-          <pc:sldMk cId="2276643970" sldId="366"/>
-        </pc:sldMkLst>
-        <pc:spChg chg="mod">
-          <ac:chgData name="Edvinas K" userId="7d071e26f81614c5" providerId="LiveId" clId="{F04EA92F-A6EF-46A5-86D8-BF469DF67124}" dt="2023-06-27T10:55:08.376" v="169"/>
-          <ac:spMkLst>
-            <pc:docMk/>
-            <pc:sldMk cId="2276643970" sldId="366"/>
-            <ac:spMk id="123" creationId="{00000000-0000-0000-0000-000000000000}"/>
-          </ac:spMkLst>
-        </pc:spChg>
-        <pc:spChg chg="mod">
-          <ac:chgData name="Edvinas K" userId="7d071e26f81614c5" providerId="LiveId" clId="{F04EA92F-A6EF-46A5-86D8-BF469DF67124}" dt="2023-06-27T13:22:01.880" v="285"/>
-          <ac:spMkLst>
-            <pc:docMk/>
-            <pc:sldMk cId="2276643970" sldId="366"/>
-            <ac:spMk id="124" creationId="{00000000-0000-0000-0000-000000000000}"/>
-          </ac:spMkLst>
-        </pc:spChg>
-        <pc:spChg chg="mod">
-          <ac:chgData name="Edvinas K" userId="7d071e26f81614c5" providerId="LiveId" clId="{F04EA92F-A6EF-46A5-86D8-BF469DF67124}" dt="2023-06-27T10:59:15.406" v="227" actId="20577"/>
-          <ac:spMkLst>
-            <pc:docMk/>
-            <pc:sldMk cId="2276643970" sldId="366"/>
-            <ac:spMk id="125" creationId="{00000000-0000-0000-0000-000000000000}"/>
-          </ac:spMkLst>
-        </pc:spChg>
-        <pc:picChg chg="add mod">
-          <ac:chgData name="Edvinas K" userId="7d071e26f81614c5" providerId="LiveId" clId="{F04EA92F-A6EF-46A5-86D8-BF469DF67124}" dt="2023-06-27T18:58:12.678" v="1131" actId="1076"/>
-          <ac:picMkLst>
-            <pc:docMk/>
-            <pc:sldMk cId="2276643970" sldId="366"/>
-            <ac:picMk id="3" creationId="{76EBD18C-CB89-E3BD-194A-E5AB158297A7}"/>
-          </ac:picMkLst>
-        </pc:picChg>
-        <pc:picChg chg="add mod">
-          <ac:chgData name="Edvinas K" userId="7d071e26f81614c5" providerId="LiveId" clId="{F04EA92F-A6EF-46A5-86D8-BF469DF67124}" dt="2023-06-27T18:58:34.558" v="1135" actId="1440"/>
-          <ac:picMkLst>
-            <pc:docMk/>
-            <pc:sldMk cId="2276643970" sldId="366"/>
-            <ac:picMk id="5" creationId="{9F167E01-53F5-A8FC-2653-3B188C49C231}"/>
-          </ac:picMkLst>
-        </pc:picChg>
-      </pc:sldChg>
-      <pc:sldChg chg="modSp add del mod">
-        <pc:chgData name="Edvinas K" userId="7d071e26f81614c5" providerId="LiveId" clId="{F04EA92F-A6EF-46A5-86D8-BF469DF67124}" dt="2023-06-27T19:03:03.397" v="1171" actId="47"/>
-        <pc:sldMkLst>
-          <pc:docMk/>
-          <pc:sldMk cId="3281431407" sldId="367"/>
-        </pc:sldMkLst>
-        <pc:spChg chg="mod">
-          <ac:chgData name="Edvinas K" userId="7d071e26f81614c5" providerId="LiveId" clId="{F04EA92F-A6EF-46A5-86D8-BF469DF67124}" dt="2023-06-27T13:22:08.357" v="288"/>
-          <ac:spMkLst>
-            <pc:docMk/>
-            <pc:sldMk cId="3281431407" sldId="367"/>
-            <ac:spMk id="124" creationId="{00000000-0000-0000-0000-000000000000}"/>
-          </ac:spMkLst>
-        </pc:spChg>
-      </pc:sldChg>
-      <pc:sldChg chg="addSp modSp add mod modTransition">
-        <pc:chgData name="Edvinas K" userId="7d071e26f81614c5" providerId="LiveId" clId="{F04EA92F-A6EF-46A5-86D8-BF469DF67124}" dt="2023-06-27T19:52:07.883" v="3011"/>
-        <pc:sldMkLst>
-          <pc:docMk/>
-          <pc:sldMk cId="866091911" sldId="368"/>
-        </pc:sldMkLst>
-        <pc:spChg chg="mod">
-          <ac:chgData name="Edvinas K" userId="7d071e26f81614c5" providerId="LiveId" clId="{F04EA92F-A6EF-46A5-86D8-BF469DF67124}" dt="2023-06-27T13:22:04.409" v="286"/>
-          <ac:spMkLst>
-            <pc:docMk/>
-            <pc:sldMk cId="866091911" sldId="368"/>
-            <ac:spMk id="124" creationId="{00000000-0000-0000-0000-000000000000}"/>
-          </ac:spMkLst>
-        </pc:spChg>
-        <pc:spChg chg="mod">
-          <ac:chgData name="Edvinas K" userId="7d071e26f81614c5" providerId="LiveId" clId="{F04EA92F-A6EF-46A5-86D8-BF469DF67124}" dt="2023-06-27T10:59:39.365" v="235" actId="20577"/>
-          <ac:spMkLst>
-            <pc:docMk/>
-            <pc:sldMk cId="866091911" sldId="368"/>
-            <ac:spMk id="125" creationId="{00000000-0000-0000-0000-000000000000}"/>
-          </ac:spMkLst>
-        </pc:spChg>
-        <pc:picChg chg="add mod">
-          <ac:chgData name="Edvinas K" userId="7d071e26f81614c5" providerId="LiveId" clId="{F04EA92F-A6EF-46A5-86D8-BF469DF67124}" dt="2023-06-27T19:00:16.213" v="1139" actId="1440"/>
-          <ac:picMkLst>
-            <pc:docMk/>
-            <pc:sldMk cId="866091911" sldId="368"/>
-            <ac:picMk id="3" creationId="{D01D9212-506B-FB06-D61B-E6B0689134EC}"/>
-          </ac:picMkLst>
-        </pc:picChg>
-        <pc:picChg chg="add mod">
-          <ac:chgData name="Edvinas K" userId="7d071e26f81614c5" providerId="LiveId" clId="{F04EA92F-A6EF-46A5-86D8-BF469DF67124}" dt="2023-06-27T19:00:32.198" v="1142" actId="1440"/>
-          <ac:picMkLst>
-            <pc:docMk/>
-            <pc:sldMk cId="866091911" sldId="368"/>
-            <ac:picMk id="5" creationId="{39144F39-40BB-E06E-520C-645D42038BEB}"/>
-          </ac:picMkLst>
-        </pc:picChg>
-      </pc:sldChg>
-      <pc:sldChg chg="addSp modSp add mod modTransition">
-        <pc:chgData name="Edvinas K" userId="7d071e26f81614c5" providerId="LiveId" clId="{F04EA92F-A6EF-46A5-86D8-BF469DF67124}" dt="2023-06-27T19:52:07.883" v="3011"/>
-        <pc:sldMkLst>
-          <pc:docMk/>
-          <pc:sldMk cId="3230928247" sldId="369"/>
-        </pc:sldMkLst>
-        <pc:spChg chg="mod">
-          <ac:chgData name="Edvinas K" userId="7d071e26f81614c5" providerId="LiveId" clId="{F04EA92F-A6EF-46A5-86D8-BF469DF67124}" dt="2023-06-27T13:22:06.515" v="287"/>
-          <ac:spMkLst>
-            <pc:docMk/>
-            <pc:sldMk cId="3230928247" sldId="369"/>
-            <ac:spMk id="124" creationId="{00000000-0000-0000-0000-000000000000}"/>
-          </ac:spMkLst>
-        </pc:spChg>
-        <pc:spChg chg="mod">
-          <ac:chgData name="Edvinas K" userId="7d071e26f81614c5" providerId="LiveId" clId="{F04EA92F-A6EF-46A5-86D8-BF469DF67124}" dt="2023-06-27T19:01:23.761" v="1154" actId="20577"/>
-          <ac:spMkLst>
-            <pc:docMk/>
-            <pc:sldMk cId="3230928247" sldId="369"/>
-            <ac:spMk id="125" creationId="{00000000-0000-0000-0000-000000000000}"/>
-          </ac:spMkLst>
-        </pc:spChg>
-        <pc:picChg chg="add mod">
-          <ac:chgData name="Edvinas K" userId="7d071e26f81614c5" providerId="LiveId" clId="{F04EA92F-A6EF-46A5-86D8-BF469DF67124}" dt="2023-06-27T19:05:44.335" v="1176" actId="1076"/>
-          <ac:picMkLst>
-            <pc:docMk/>
-            <pc:sldMk cId="3230928247" sldId="369"/>
-            <ac:picMk id="3" creationId="{4DF5BB2E-0FA6-C0F9-1DC7-DFAFA9D0C604}"/>
-          </ac:picMkLst>
-        </pc:picChg>
-      </pc:sldChg>
-      <pc:sldChg chg="addSp delSp modSp add mod modTransition modNotesTx">
-        <pc:chgData name="Edvinas K" userId="7d071e26f81614c5" providerId="LiveId" clId="{F04EA92F-A6EF-46A5-86D8-BF469DF67124}" dt="2023-06-27T19:52:07.883" v="3011"/>
+      <pc:sldChg chg="modSp mod">
+        <pc:chgData name="Rokas Slaboševičius" userId="5b5a1ad6-e0e0-4118-b388-ee941114d16c" providerId="ADAL" clId="{22EB082D-AAB9-4D13-8A3B-0A822EE3FCCF}" dt="2023-11-23T19:32:07.573" v="13" actId="20577"/>
         <pc:sldMkLst>
           <pc:docMk/>
           <pc:sldMk cId="1392026619" sldId="370"/>
         </pc:sldMkLst>
-        <pc:spChg chg="add del">
-          <ac:chgData name="Edvinas K" userId="7d071e26f81614c5" providerId="LiveId" clId="{F04EA92F-A6EF-46A5-86D8-BF469DF67124}" dt="2023-06-27T19:34:57.033" v="2372"/>
-          <ac:spMkLst>
-            <pc:docMk/>
-            <pc:sldMk cId="1392026619" sldId="370"/>
-            <ac:spMk id="4" creationId="{7442C70C-A8C9-2904-7090-45B32C4254CA}"/>
-          </ac:spMkLst>
-        </pc:spChg>
         <pc:spChg chg="mod">
-          <ac:chgData name="Edvinas K" userId="7d071e26f81614c5" providerId="LiveId" clId="{F04EA92F-A6EF-46A5-86D8-BF469DF67124}" dt="2023-06-27T19:35:02.570" v="2376"/>
+          <ac:chgData name="Rokas Slaboševičius" userId="5b5a1ad6-e0e0-4118-b388-ee941114d16c" providerId="ADAL" clId="{22EB082D-AAB9-4D13-8A3B-0A822EE3FCCF}" dt="2023-11-23T19:32:07.573" v="13" actId="20577"/>
           <ac:spMkLst>
             <pc:docMk/>
             <pc:sldMk cId="1392026619" sldId="370"/>
             <ac:spMk id="7" creationId="{8393EA32-1E5C-4940-ABB7-ACA92E12BC62}"/>
           </ac:spMkLst>
         </pc:spChg>
-        <pc:spChg chg="mod">
-          <ac:chgData name="Edvinas K" userId="7d071e26f81614c5" providerId="LiveId" clId="{F04EA92F-A6EF-46A5-86D8-BF469DF67124}" dt="2023-06-27T19:09:29.294" v="1193" actId="20577"/>
-          <ac:spMkLst>
-            <pc:docMk/>
-            <pc:sldMk cId="1392026619" sldId="370"/>
-            <ac:spMk id="10" creationId="{5370151D-47F6-1A41-84B1-BB942B57263B}"/>
-          </ac:spMkLst>
-        </pc:spChg>
-        <pc:picChg chg="add mod">
-          <ac:chgData name="Edvinas K" userId="7d071e26f81614c5" providerId="LiveId" clId="{F04EA92F-A6EF-46A5-86D8-BF469DF67124}" dt="2023-06-27T19:10:39.381" v="1252" actId="1440"/>
-          <ac:picMkLst>
-            <pc:docMk/>
-            <pc:sldMk cId="1392026619" sldId="370"/>
-            <ac:picMk id="3" creationId="{DE095531-82FC-9CEC-94E2-1011AEDC416A}"/>
-          </ac:picMkLst>
-        </pc:picChg>
       </pc:sldChg>
-      <pc:sldChg chg="addSp delSp modSp add mod modTransition modNotesTx">
-        <pc:chgData name="Edvinas K" userId="7d071e26f81614c5" providerId="LiveId" clId="{F04EA92F-A6EF-46A5-86D8-BF469DF67124}" dt="2023-06-27T19:52:07.883" v="3011"/>
-        <pc:sldMkLst>
-          <pc:docMk/>
-          <pc:sldMk cId="2808184642" sldId="371"/>
-        </pc:sldMkLst>
-        <pc:spChg chg="add del">
-          <ac:chgData name="Edvinas K" userId="7d071e26f81614c5" providerId="LiveId" clId="{F04EA92F-A6EF-46A5-86D8-BF469DF67124}" dt="2023-06-27T13:48:38.279" v="303"/>
-          <ac:spMkLst>
-            <pc:docMk/>
-            <pc:sldMk cId="2808184642" sldId="371"/>
-            <ac:spMk id="2" creationId="{E142D47F-1D47-1156-3766-87932BE928C7}"/>
-          </ac:spMkLst>
-        </pc:spChg>
-        <pc:spChg chg="mod">
-          <ac:chgData name="Edvinas K" userId="7d071e26f81614c5" providerId="LiveId" clId="{F04EA92F-A6EF-46A5-86D8-BF469DF67124}" dt="2023-06-27T13:48:34.931" v="301" actId="20577"/>
-          <ac:spMkLst>
-            <pc:docMk/>
-            <pc:sldMk cId="2808184642" sldId="371"/>
-            <ac:spMk id="123" creationId="{00000000-0000-0000-0000-000000000000}"/>
-          </ac:spMkLst>
-        </pc:spChg>
-        <pc:spChg chg="mod">
-          <ac:chgData name="Edvinas K" userId="7d071e26f81614c5" providerId="LiveId" clId="{F04EA92F-A6EF-46A5-86D8-BF469DF67124}" dt="2023-06-27T13:49:48.161" v="314" actId="20577"/>
-          <ac:spMkLst>
-            <pc:docMk/>
-            <pc:sldMk cId="2808184642" sldId="371"/>
-            <ac:spMk id="125" creationId="{00000000-0000-0000-0000-000000000000}"/>
-          </ac:spMkLst>
-        </pc:spChg>
-        <pc:picChg chg="add mod">
-          <ac:chgData name="Edvinas K" userId="7d071e26f81614c5" providerId="LiveId" clId="{F04EA92F-A6EF-46A5-86D8-BF469DF67124}" dt="2023-06-27T14:26:33.565" v="347" actId="1076"/>
-          <ac:picMkLst>
-            <pc:docMk/>
-            <pc:sldMk cId="2808184642" sldId="371"/>
-            <ac:picMk id="4" creationId="{D7929AEB-42DD-9167-37CC-EA5012FBAEB9}"/>
-          </ac:picMkLst>
-        </pc:picChg>
-        <pc:picChg chg="add del mod">
-          <ac:chgData name="Edvinas K" userId="7d071e26f81614c5" providerId="LiveId" clId="{F04EA92F-A6EF-46A5-86D8-BF469DF67124}" dt="2023-06-27T14:25:44.423" v="341" actId="931"/>
-          <ac:picMkLst>
-            <pc:docMk/>
-            <pc:sldMk cId="2808184642" sldId="371"/>
-            <ac:picMk id="6" creationId="{DCD9C082-FD1B-CE3C-76D4-713A2F7FC5C4}"/>
-          </ac:picMkLst>
-        </pc:picChg>
-        <pc:picChg chg="add mod">
-          <ac:chgData name="Edvinas K" userId="7d071e26f81614c5" providerId="LiveId" clId="{F04EA92F-A6EF-46A5-86D8-BF469DF67124}" dt="2023-06-27T14:26:38.412" v="350" actId="207"/>
-          <ac:picMkLst>
-            <pc:docMk/>
-            <pc:sldMk cId="2808184642" sldId="371"/>
-            <ac:picMk id="8" creationId="{6F829A3C-8BCC-D13B-F800-B97713A992AD}"/>
-          </ac:picMkLst>
-        </pc:picChg>
-      </pc:sldChg>
-      <pc:sldChg chg="addSp delSp modSp add mod modTransition modNotesTx">
-        <pc:chgData name="Edvinas K" userId="7d071e26f81614c5" providerId="LiveId" clId="{F04EA92F-A6EF-46A5-86D8-BF469DF67124}" dt="2023-06-27T19:52:07.883" v="3011"/>
-        <pc:sldMkLst>
-          <pc:docMk/>
-          <pc:sldMk cId="2089772383" sldId="372"/>
-        </pc:sldMkLst>
-        <pc:spChg chg="add del">
-          <ac:chgData name="Edvinas K" userId="7d071e26f81614c5" providerId="LiveId" clId="{F04EA92F-A6EF-46A5-86D8-BF469DF67124}" dt="2023-06-27T14:23:05.201" v="319"/>
-          <ac:spMkLst>
-            <pc:docMk/>
-            <pc:sldMk cId="2089772383" sldId="372"/>
-            <ac:spMk id="2" creationId="{1E7B3103-BFA0-F489-DD45-B456C500EAB4}"/>
-          </ac:spMkLst>
-        </pc:spChg>
-        <pc:spChg chg="mod">
-          <ac:chgData name="Edvinas K" userId="7d071e26f81614c5" providerId="LiveId" clId="{F04EA92F-A6EF-46A5-86D8-BF469DF67124}" dt="2023-06-27T14:23:25.996" v="326" actId="20577"/>
-          <ac:spMkLst>
-            <pc:docMk/>
-            <pc:sldMk cId="2089772383" sldId="372"/>
-            <ac:spMk id="125" creationId="{00000000-0000-0000-0000-000000000000}"/>
-          </ac:spMkLst>
-        </pc:spChg>
-        <pc:picChg chg="add mod">
-          <ac:chgData name="Edvinas K" userId="7d071e26f81614c5" providerId="LiveId" clId="{F04EA92F-A6EF-46A5-86D8-BF469DF67124}" dt="2023-06-27T14:24:42.113" v="330" actId="1440"/>
-          <ac:picMkLst>
-            <pc:docMk/>
-            <pc:sldMk cId="2089772383" sldId="372"/>
-            <ac:picMk id="4" creationId="{CE598C5F-EE2C-D3B5-6DE6-39D4E80270C8}"/>
-          </ac:picMkLst>
-        </pc:picChg>
-      </pc:sldChg>
-      <pc:sldChg chg="addSp delSp modSp add mod ord modTransition">
-        <pc:chgData name="Edvinas K" userId="7d071e26f81614c5" providerId="LiveId" clId="{F04EA92F-A6EF-46A5-86D8-BF469DF67124}" dt="2023-06-27T19:52:07.883" v="3011"/>
-        <pc:sldMkLst>
-          <pc:docMk/>
-          <pc:sldMk cId="2615623570" sldId="373"/>
-        </pc:sldMkLst>
-        <pc:spChg chg="mod">
-          <ac:chgData name="Edvinas K" userId="7d071e26f81614c5" providerId="LiveId" clId="{F04EA92F-A6EF-46A5-86D8-BF469DF67124}" dt="2023-06-27T19:02:35.876" v="1170" actId="20577"/>
-          <ac:spMkLst>
-            <pc:docMk/>
-            <pc:sldMk cId="2615623570" sldId="373"/>
-            <ac:spMk id="125" creationId="{00000000-0000-0000-0000-000000000000}"/>
-          </ac:spMkLst>
-        </pc:spChg>
-        <pc:picChg chg="del">
-          <ac:chgData name="Edvinas K" userId="7d071e26f81614c5" providerId="LiveId" clId="{F04EA92F-A6EF-46A5-86D8-BF469DF67124}" dt="2023-06-27T19:02:12.336" v="1161" actId="478"/>
-          <ac:picMkLst>
-            <pc:docMk/>
-            <pc:sldMk cId="2615623570" sldId="373"/>
-            <ac:picMk id="3" creationId="{D01D9212-506B-FB06-D61B-E6B0689134EC}"/>
-          </ac:picMkLst>
-        </pc:picChg>
-        <pc:picChg chg="add mod ord">
-          <ac:chgData name="Edvinas K" userId="7d071e26f81614c5" providerId="LiveId" clId="{F04EA92F-A6EF-46A5-86D8-BF469DF67124}" dt="2023-06-27T19:08:21.227" v="1191" actId="1076"/>
-          <ac:picMkLst>
-            <pc:docMk/>
-            <pc:sldMk cId="2615623570" sldId="373"/>
-            <ac:picMk id="4" creationId="{5030E967-A090-0600-70CC-6348DDA17568}"/>
-          </ac:picMkLst>
-        </pc:picChg>
-        <pc:picChg chg="del">
-          <ac:chgData name="Edvinas K" userId="7d071e26f81614c5" providerId="LiveId" clId="{F04EA92F-A6EF-46A5-86D8-BF469DF67124}" dt="2023-06-27T19:02:11.834" v="1160" actId="478"/>
-          <ac:picMkLst>
-            <pc:docMk/>
-            <pc:sldMk cId="2615623570" sldId="373"/>
-            <ac:picMk id="5" creationId="{39144F39-40BB-E06E-520C-645D42038BEB}"/>
-          </ac:picMkLst>
-        </pc:picChg>
-        <pc:picChg chg="add mod">
-          <ac:chgData name="Edvinas K" userId="7d071e26f81614c5" providerId="LiveId" clId="{F04EA92F-A6EF-46A5-86D8-BF469DF67124}" dt="2023-06-27T19:08:19.305" v="1190" actId="1076"/>
-          <ac:picMkLst>
-            <pc:docMk/>
-            <pc:sldMk cId="2615623570" sldId="373"/>
-            <ac:picMk id="7" creationId="{D441DAA3-9FBF-7798-2AE4-AF9439D45274}"/>
-          </ac:picMkLst>
-        </pc:picChg>
-      </pc:sldChg>
-      <pc:sldChg chg="add del">
-        <pc:chgData name="Edvinas K" userId="7d071e26f81614c5" providerId="LiveId" clId="{F04EA92F-A6EF-46A5-86D8-BF469DF67124}" dt="2023-06-27T19:02:06.570" v="1156" actId="2890"/>
-        <pc:sldMkLst>
-          <pc:docMk/>
-          <pc:sldMk cId="3622104247" sldId="373"/>
-        </pc:sldMkLst>
-      </pc:sldChg>
-      <pc:sldChg chg="delSp modSp add mod modTransition">
-        <pc:chgData name="Edvinas K" userId="7d071e26f81614c5" providerId="LiveId" clId="{F04EA92F-A6EF-46A5-86D8-BF469DF67124}" dt="2023-06-27T19:52:07.883" v="3011"/>
-        <pc:sldMkLst>
-          <pc:docMk/>
-          <pc:sldMk cId="3813723418" sldId="374"/>
-        </pc:sldMkLst>
-        <pc:spChg chg="mod">
-          <ac:chgData name="Edvinas K" userId="7d071e26f81614c5" providerId="LiveId" clId="{F04EA92F-A6EF-46A5-86D8-BF469DF67124}" dt="2023-06-27T19:20:29.241" v="2365" actId="20577"/>
-          <ac:spMkLst>
-            <pc:docMk/>
-            <pc:sldMk cId="3813723418" sldId="374"/>
-            <ac:spMk id="7" creationId="{8393EA32-1E5C-4940-ABB7-ACA92E12BC62}"/>
-          </ac:spMkLst>
-        </pc:spChg>
-        <pc:spChg chg="mod">
-          <ac:chgData name="Edvinas K" userId="7d071e26f81614c5" providerId="LiveId" clId="{F04EA92F-A6EF-46A5-86D8-BF469DF67124}" dt="2023-06-27T19:14:08.986" v="1502" actId="20577"/>
-          <ac:spMkLst>
-            <pc:docMk/>
-            <pc:sldMk cId="3813723418" sldId="374"/>
-            <ac:spMk id="10" creationId="{5370151D-47F6-1A41-84B1-BB942B57263B}"/>
-          </ac:spMkLst>
-        </pc:spChg>
-        <pc:picChg chg="del">
-          <ac:chgData name="Edvinas K" userId="7d071e26f81614c5" providerId="LiveId" clId="{F04EA92F-A6EF-46A5-86D8-BF469DF67124}" dt="2023-06-27T19:13:59.898" v="1491" actId="478"/>
-          <ac:picMkLst>
-            <pc:docMk/>
-            <pc:sldMk cId="3813723418" sldId="374"/>
-            <ac:picMk id="3" creationId="{DE095531-82FC-9CEC-94E2-1011AEDC416A}"/>
-          </ac:picMkLst>
-        </pc:picChg>
-      </pc:sldChg>
-      <pc:sldChg chg="modSp add del mod">
-        <pc:chgData name="Edvinas K" userId="7d071e26f81614c5" providerId="LiveId" clId="{F04EA92F-A6EF-46A5-86D8-BF469DF67124}" dt="2023-06-27T19:19:02.991" v="2132" actId="47"/>
-        <pc:sldMkLst>
-          <pc:docMk/>
-          <pc:sldMk cId="2576178364" sldId="375"/>
-        </pc:sldMkLst>
-        <pc:spChg chg="mod">
-          <ac:chgData name="Edvinas K" userId="7d071e26f81614c5" providerId="LiveId" clId="{F04EA92F-A6EF-46A5-86D8-BF469DF67124}" dt="2023-06-27T19:18:44.662" v="2131" actId="20577"/>
-          <ac:spMkLst>
-            <pc:docMk/>
-            <pc:sldMk cId="2576178364" sldId="375"/>
-            <ac:spMk id="7" creationId="{8393EA32-1E5C-4940-ABB7-ACA92E12BC62}"/>
-          </ac:spMkLst>
-        </pc:spChg>
-      </pc:sldChg>
-      <pc:sldChg chg="addSp delSp modSp add mod modTransition">
-        <pc:chgData name="Edvinas K" userId="7d071e26f81614c5" providerId="LiveId" clId="{F04EA92F-A6EF-46A5-86D8-BF469DF67124}" dt="2023-06-27T19:52:07.883" v="3011"/>
-        <pc:sldMkLst>
-          <pc:docMk/>
-          <pc:sldMk cId="3400046192" sldId="375"/>
-        </pc:sldMkLst>
-        <pc:spChg chg="mod">
-          <ac:chgData name="Edvinas K" userId="7d071e26f81614c5" providerId="LiveId" clId="{F04EA92F-A6EF-46A5-86D8-BF469DF67124}" dt="2023-06-27T19:48:35.353" v="3006" actId="20577"/>
-          <ac:spMkLst>
-            <pc:docMk/>
-            <pc:sldMk cId="3400046192" sldId="375"/>
-            <ac:spMk id="7" creationId="{8393EA32-1E5C-4940-ABB7-ACA92E12BC62}"/>
-          </ac:spMkLst>
-        </pc:spChg>
-        <pc:spChg chg="mod">
-          <ac:chgData name="Edvinas K" userId="7d071e26f81614c5" providerId="LiveId" clId="{F04EA92F-A6EF-46A5-86D8-BF469DF67124}" dt="2023-06-27T19:35:39.305" v="2381" actId="20577"/>
-          <ac:spMkLst>
-            <pc:docMk/>
-            <pc:sldMk cId="3400046192" sldId="375"/>
-            <ac:spMk id="10" creationId="{5370151D-47F6-1A41-84B1-BB942B57263B}"/>
-          </ac:spMkLst>
-        </pc:spChg>
-        <pc:picChg chg="del">
-          <ac:chgData name="Edvinas K" userId="7d071e26f81614c5" providerId="LiveId" clId="{F04EA92F-A6EF-46A5-86D8-BF469DF67124}" dt="2023-06-27T19:35:46.922" v="2386" actId="478"/>
-          <ac:picMkLst>
-            <pc:docMk/>
-            <pc:sldMk cId="3400046192" sldId="375"/>
-            <ac:picMk id="3" creationId="{DE095531-82FC-9CEC-94E2-1011AEDC416A}"/>
-          </ac:picMkLst>
-        </pc:picChg>
-        <pc:picChg chg="add mod">
-          <ac:chgData name="Edvinas K" userId="7d071e26f81614c5" providerId="LiveId" clId="{F04EA92F-A6EF-46A5-86D8-BF469DF67124}" dt="2023-06-27T19:48:43.348" v="3009" actId="1076"/>
-          <ac:picMkLst>
-            <pc:docMk/>
-            <pc:sldMk cId="3400046192" sldId="375"/>
-            <ac:picMk id="4" creationId="{C52DFBD9-FFB9-1E39-ACE5-A0B89909D112}"/>
-          </ac:picMkLst>
-        </pc:picChg>
-      </pc:sldChg>
-      <pc:sldChg chg="modSp add mod">
-        <pc:chgData name="Edvinas K" userId="7d071e26f81614c5" providerId="LiveId" clId="{F04EA92F-A6EF-46A5-86D8-BF469DF67124}" dt="2023-06-28T14:23:59.416" v="3097" actId="20577"/>
-        <pc:sldMkLst>
-          <pc:docMk/>
-          <pc:sldMk cId="129569586" sldId="376"/>
-        </pc:sldMkLst>
-        <pc:spChg chg="mod">
-          <ac:chgData name="Edvinas K" userId="7d071e26f81614c5" providerId="LiveId" clId="{F04EA92F-A6EF-46A5-86D8-BF469DF67124}" dt="2023-06-28T14:23:59.416" v="3097" actId="20577"/>
-          <ac:spMkLst>
-            <pc:docMk/>
-            <pc:sldMk cId="129569586" sldId="376"/>
-            <ac:spMk id="7" creationId="{8393EA32-1E5C-4940-ABB7-ACA92E12BC62}"/>
-          </ac:spMkLst>
-        </pc:spChg>
-      </pc:sldChg>
-      <pc:sldMasterChg chg="modTransition modSldLayout">
-        <pc:chgData name="Edvinas K" userId="7d071e26f81614c5" providerId="LiveId" clId="{F04EA92F-A6EF-46A5-86D8-BF469DF67124}" dt="2023-06-27T19:52:07.883" v="3011"/>
-        <pc:sldMasterMkLst>
-          <pc:docMk/>
-          <pc:sldMasterMk cId="0" sldId="2147483648"/>
-        </pc:sldMasterMkLst>
-        <pc:sldLayoutChg chg="modTransition">
-          <pc:chgData name="Edvinas K" userId="7d071e26f81614c5" providerId="LiveId" clId="{F04EA92F-A6EF-46A5-86D8-BF469DF67124}" dt="2023-06-27T19:52:07.883" v="3011"/>
-          <pc:sldLayoutMkLst>
-            <pc:docMk/>
-            <pc:sldMasterMk cId="0" sldId="2147483648"/>
-            <pc:sldLayoutMk cId="0" sldId="2147483649"/>
-          </pc:sldLayoutMkLst>
-        </pc:sldLayoutChg>
-        <pc:sldLayoutChg chg="modTransition">
-          <pc:chgData name="Edvinas K" userId="7d071e26f81614c5" providerId="LiveId" clId="{F04EA92F-A6EF-46A5-86D8-BF469DF67124}" dt="2023-06-27T19:52:07.883" v="3011"/>
-          <pc:sldLayoutMkLst>
-            <pc:docMk/>
-            <pc:sldMasterMk cId="0" sldId="2147483648"/>
-            <pc:sldLayoutMk cId="0" sldId="2147483651"/>
-          </pc:sldLayoutMkLst>
-        </pc:sldLayoutChg>
-        <pc:sldLayoutChg chg="modTransition">
-          <pc:chgData name="Edvinas K" userId="7d071e26f81614c5" providerId="LiveId" clId="{F04EA92F-A6EF-46A5-86D8-BF469DF67124}" dt="2023-06-27T19:52:07.883" v="3011"/>
-          <pc:sldLayoutMkLst>
-            <pc:docMk/>
-            <pc:sldMasterMk cId="0" sldId="2147483648"/>
-            <pc:sldLayoutMk cId="0" sldId="2147483652"/>
-          </pc:sldLayoutMkLst>
-        </pc:sldLayoutChg>
-        <pc:sldLayoutChg chg="modTransition">
-          <pc:chgData name="Edvinas K" userId="7d071e26f81614c5" providerId="LiveId" clId="{F04EA92F-A6EF-46A5-86D8-BF469DF67124}" dt="2023-06-27T19:52:07.883" v="3011"/>
-          <pc:sldLayoutMkLst>
-            <pc:docMk/>
-            <pc:sldMasterMk cId="0" sldId="2147483648"/>
-            <pc:sldLayoutMk cId="0" sldId="2147483654"/>
-          </pc:sldLayoutMkLst>
-        </pc:sldLayoutChg>
-        <pc:sldLayoutChg chg="modTransition">
-          <pc:chgData name="Edvinas K" userId="7d071e26f81614c5" providerId="LiveId" clId="{F04EA92F-A6EF-46A5-86D8-BF469DF67124}" dt="2023-06-27T19:52:07.883" v="3011"/>
-          <pc:sldLayoutMkLst>
-            <pc:docMk/>
-            <pc:sldMasterMk cId="0" sldId="2147483648"/>
-            <pc:sldLayoutMk cId="0" sldId="2147483655"/>
-          </pc:sldLayoutMkLst>
-        </pc:sldLayoutChg>
-        <pc:sldLayoutChg chg="modTransition">
-          <pc:chgData name="Edvinas K" userId="7d071e26f81614c5" providerId="LiveId" clId="{F04EA92F-A6EF-46A5-86D8-BF469DF67124}" dt="2023-06-27T19:52:07.883" v="3011"/>
-          <pc:sldLayoutMkLst>
-            <pc:docMk/>
-            <pc:sldMasterMk cId="0" sldId="2147483648"/>
-            <pc:sldLayoutMk cId="1557821446" sldId="2147483656"/>
-          </pc:sldLayoutMkLst>
-        </pc:sldLayoutChg>
-      </pc:sldMasterChg>
-      <pc:sldMasterChg chg="modTransition modSldLayout">
-        <pc:chgData name="Edvinas K" userId="7d071e26f81614c5" providerId="LiveId" clId="{F04EA92F-A6EF-46A5-86D8-BF469DF67124}" dt="2023-06-27T19:52:07.883" v="3011"/>
-        <pc:sldMasterMkLst>
-          <pc:docMk/>
-          <pc:sldMasterMk cId="14586663" sldId="2147483685"/>
-        </pc:sldMasterMkLst>
-        <pc:sldLayoutChg chg="modTransition">
-          <pc:chgData name="Edvinas K" userId="7d071e26f81614c5" providerId="LiveId" clId="{F04EA92F-A6EF-46A5-86D8-BF469DF67124}" dt="2023-06-27T19:52:07.883" v="3011"/>
-          <pc:sldLayoutMkLst>
-            <pc:docMk/>
-            <pc:sldMasterMk cId="14586663" sldId="2147483685"/>
-            <pc:sldLayoutMk cId="1565597752" sldId="2147483686"/>
-          </pc:sldLayoutMkLst>
-        </pc:sldLayoutChg>
-        <pc:sldLayoutChg chg="modTransition">
-          <pc:chgData name="Edvinas K" userId="7d071e26f81614c5" providerId="LiveId" clId="{F04EA92F-A6EF-46A5-86D8-BF469DF67124}" dt="2023-06-27T19:52:07.883" v="3011"/>
-          <pc:sldLayoutMkLst>
-            <pc:docMk/>
-            <pc:sldMasterMk cId="14586663" sldId="2147483685"/>
-            <pc:sldLayoutMk cId="167496522" sldId="2147483687"/>
-          </pc:sldLayoutMkLst>
-        </pc:sldLayoutChg>
-        <pc:sldLayoutChg chg="modTransition">
-          <pc:chgData name="Edvinas K" userId="7d071e26f81614c5" providerId="LiveId" clId="{F04EA92F-A6EF-46A5-86D8-BF469DF67124}" dt="2023-06-27T19:52:07.883" v="3011"/>
-          <pc:sldLayoutMkLst>
-            <pc:docMk/>
-            <pc:sldMasterMk cId="14586663" sldId="2147483685"/>
-            <pc:sldLayoutMk cId="711405493" sldId="2147483688"/>
-          </pc:sldLayoutMkLst>
-        </pc:sldLayoutChg>
-        <pc:sldLayoutChg chg="modTransition">
-          <pc:chgData name="Edvinas K" userId="7d071e26f81614c5" providerId="LiveId" clId="{F04EA92F-A6EF-46A5-86D8-BF469DF67124}" dt="2023-06-27T19:52:07.883" v="3011"/>
-          <pc:sldLayoutMkLst>
-            <pc:docMk/>
-            <pc:sldMasterMk cId="14586663" sldId="2147483685"/>
-            <pc:sldLayoutMk cId="2170180334" sldId="2147483689"/>
-          </pc:sldLayoutMkLst>
-        </pc:sldLayoutChg>
-        <pc:sldLayoutChg chg="modTransition">
-          <pc:chgData name="Edvinas K" userId="7d071e26f81614c5" providerId="LiveId" clId="{F04EA92F-A6EF-46A5-86D8-BF469DF67124}" dt="2023-06-27T19:52:07.883" v="3011"/>
-          <pc:sldLayoutMkLst>
-            <pc:docMk/>
-            <pc:sldMasterMk cId="14586663" sldId="2147483685"/>
-            <pc:sldLayoutMk cId="1256391893" sldId="2147483690"/>
-          </pc:sldLayoutMkLst>
-        </pc:sldLayoutChg>
-        <pc:sldLayoutChg chg="modTransition">
-          <pc:chgData name="Edvinas K" userId="7d071e26f81614c5" providerId="LiveId" clId="{F04EA92F-A6EF-46A5-86D8-BF469DF67124}" dt="2023-06-27T19:52:07.883" v="3011"/>
-          <pc:sldLayoutMkLst>
-            <pc:docMk/>
-            <pc:sldMasterMk cId="14586663" sldId="2147483685"/>
-            <pc:sldLayoutMk cId="2029085676" sldId="2147483691"/>
-          </pc:sldLayoutMkLst>
-        </pc:sldLayoutChg>
-        <pc:sldLayoutChg chg="modTransition">
-          <pc:chgData name="Edvinas K" userId="7d071e26f81614c5" providerId="LiveId" clId="{F04EA92F-A6EF-46A5-86D8-BF469DF67124}" dt="2023-06-27T19:52:07.883" v="3011"/>
-          <pc:sldLayoutMkLst>
-            <pc:docMk/>
-            <pc:sldMasterMk cId="14586663" sldId="2147483685"/>
-            <pc:sldLayoutMk cId="2179736073" sldId="2147483692"/>
-          </pc:sldLayoutMkLst>
-        </pc:sldLayoutChg>
-        <pc:sldLayoutChg chg="modTransition">
-          <pc:chgData name="Edvinas K" userId="7d071e26f81614c5" providerId="LiveId" clId="{F04EA92F-A6EF-46A5-86D8-BF469DF67124}" dt="2023-06-27T19:52:07.883" v="3011"/>
-          <pc:sldLayoutMkLst>
-            <pc:docMk/>
-            <pc:sldMasterMk cId="14586663" sldId="2147483685"/>
-            <pc:sldLayoutMk cId="271830527" sldId="2147483693"/>
-          </pc:sldLayoutMkLst>
-        </pc:sldLayoutChg>
-        <pc:sldLayoutChg chg="modTransition">
-          <pc:chgData name="Edvinas K" userId="7d071e26f81614c5" providerId="LiveId" clId="{F04EA92F-A6EF-46A5-86D8-BF469DF67124}" dt="2023-06-27T19:52:07.883" v="3011"/>
-          <pc:sldLayoutMkLst>
-            <pc:docMk/>
-            <pc:sldMasterMk cId="14586663" sldId="2147483685"/>
-            <pc:sldLayoutMk cId="3890070212" sldId="2147483694"/>
-          </pc:sldLayoutMkLst>
-        </pc:sldLayoutChg>
-        <pc:sldLayoutChg chg="modTransition">
-          <pc:chgData name="Edvinas K" userId="7d071e26f81614c5" providerId="LiveId" clId="{F04EA92F-A6EF-46A5-86D8-BF469DF67124}" dt="2023-06-27T19:52:07.883" v="3011"/>
-          <pc:sldLayoutMkLst>
-            <pc:docMk/>
-            <pc:sldMasterMk cId="14586663" sldId="2147483685"/>
-            <pc:sldLayoutMk cId="359997005" sldId="2147483695"/>
-          </pc:sldLayoutMkLst>
-        </pc:sldLayoutChg>
-        <pc:sldLayoutChg chg="modTransition">
-          <pc:chgData name="Edvinas K" userId="7d071e26f81614c5" providerId="LiveId" clId="{F04EA92F-A6EF-46A5-86D8-BF469DF67124}" dt="2023-06-27T19:52:07.883" v="3011"/>
-          <pc:sldLayoutMkLst>
-            <pc:docMk/>
-            <pc:sldMasterMk cId="14586663" sldId="2147483685"/>
-            <pc:sldLayoutMk cId="3208488799" sldId="2147483696"/>
-          </pc:sldLayoutMkLst>
-        </pc:sldLayoutChg>
-        <pc:sldLayoutChg chg="modTransition">
-          <pc:chgData name="Edvinas K" userId="7d071e26f81614c5" providerId="LiveId" clId="{F04EA92F-A6EF-46A5-86D8-BF469DF67124}" dt="2023-06-27T19:52:07.883" v="3011"/>
-          <pc:sldLayoutMkLst>
-            <pc:docMk/>
-            <pc:sldMasterMk cId="14586663" sldId="2147483685"/>
-            <pc:sldLayoutMk cId="1763100172" sldId="2147483697"/>
-          </pc:sldLayoutMkLst>
-        </pc:sldLayoutChg>
-      </pc:sldMasterChg>
     </pc:docChg>
   </pc:docChgLst>
 </pc:chgInfo>
@@ -11218,7 +10407,43 @@
                 </a:solidFill>
                 <a:latin typeface="Courier New"/>
               </a:rPr>
-              <a:t>You have two arrays: A with size 3x3 and B with size 3x1. Write a program that performs the addition of the arrays (A * B) and displays the result.</a:t>
+              <a:t>You have two arrays: A with size 3x3 and B with size 3x1. Write a program that performs </a:t>
+            </a:r>
+            <a:r>
+              <a:rPr lang="lt-LT" sz="1400" dirty="0" err="1">
+                <a:solidFill>
+                  <a:schemeClr val="tx1"/>
+                </a:solidFill>
+                <a:latin typeface="Courier New"/>
+              </a:rPr>
+              <a:t>the</a:t>
+            </a:r>
+            <a:r>
+              <a:rPr lang="lt-LT" sz="1400" dirty="0">
+                <a:solidFill>
+                  <a:schemeClr val="tx1"/>
+                </a:solidFill>
+                <a:latin typeface="Courier New"/>
+              </a:rPr>
+              <a:t> </a:t>
+            </a:r>
+            <a:r>
+              <a:rPr lang="en-US" sz="1400" dirty="0">
+                <a:solidFill>
+                  <a:schemeClr val="tx1"/>
+                </a:solidFill>
+                <a:latin typeface="Courier New"/>
+              </a:rPr>
+              <a:t>multiplication</a:t>
+            </a:r>
+            <a:r>
+              <a:rPr lang="lt-LT" sz="1400" dirty="0">
+                <a:solidFill>
+                  <a:schemeClr val="tx1"/>
+                </a:solidFill>
+                <a:latin typeface="Courier New"/>
+              </a:rPr>
+              <a:t> of the arrays (A * B) and displays the result.</a:t>
             </a:r>
           </a:p>
           <a:p>
@@ -18978,8 +18203,14 @@
 </file>
 
 <file path=customXml/item2.xml><?xml version="1.0" encoding="utf-8"?>
-<ct:contentTypeSchema xmlns:ct="http://schemas.microsoft.com/office/2006/metadata/contentType" xmlns:ma="http://schemas.microsoft.com/office/2006/metadata/properties/metaAttributes" ct:_="" ma:_="" ma:contentTypeName="Dokumentas" ma:contentTypeID="0x010100A6A4ACF2A8DF004CA94A2D6A4303FCEA" ma:contentTypeVersion="3" ma:contentTypeDescription="Kurkite naują dokumentą." ma:contentTypeScope="" ma:versionID="38d9f4914169842cf1e437f0f79b9222">
-  <xsd:schema xmlns:xsd="http://www.w3.org/2001/XMLSchema" xmlns:xs="http://www.w3.org/2001/XMLSchema" xmlns:p="http://schemas.microsoft.com/office/2006/metadata/properties" xmlns:ns2="a3b97f0a-8a49-47eb-801c-707cd9a5bca1" targetNamespace="http://schemas.microsoft.com/office/2006/metadata/properties" ma:root="true" ma:fieldsID="45fa601084fec589b5256ed87d2e95eb" ns2:_="">
+<p:properties xmlns:p="http://schemas.microsoft.com/office/2006/metadata/properties" xmlns:xsi="http://www.w3.org/2001/XMLSchema-instance" xmlns:pc="http://schemas.microsoft.com/office/infopath/2007/PartnerControls">
+  <documentManagement/>
+</p:properties>
+</file>
+
+<file path=customXml/item3.xml><?xml version="1.0" encoding="utf-8"?>
+<ct:contentTypeSchema xmlns:ct="http://schemas.microsoft.com/office/2006/metadata/contentType" xmlns:ma="http://schemas.microsoft.com/office/2006/metadata/properties/metaAttributes" ct:_="" ma:_="" ma:contentTypeName="Document" ma:contentTypeID="0x010100A6A4ACF2A8DF004CA94A2D6A4303FCEA" ma:contentTypeVersion="3" ma:contentTypeDescription="Create a new document." ma:contentTypeScope="" ma:versionID="dce8d8eaf1142774ac5085623c4f4acc">
+  <xsd:schema xmlns:xsd="http://www.w3.org/2001/XMLSchema" xmlns:xs="http://www.w3.org/2001/XMLSchema" xmlns:p="http://schemas.microsoft.com/office/2006/metadata/properties" xmlns:ns2="a3b97f0a-8a49-47eb-801c-707cd9a5bca1" targetNamespace="http://schemas.microsoft.com/office/2006/metadata/properties" ma:root="true" ma:fieldsID="508d6a8722d5444c3f31e6dbb793e0dd" ns2:_="">
     <xsd:import namespace="a3b97f0a-8a49-47eb-801c-707cd9a5bca1"/>
     <xsd:element name="properties">
       <xsd:complexType>
@@ -19025,8 +18256,8 @@
         <xsd:element ref="dc:creator" minOccurs="0" maxOccurs="1"/>
         <xsd:element ref="dcterms:created" minOccurs="0" maxOccurs="1"/>
         <xsd:element ref="dc:identifier" minOccurs="0" maxOccurs="1"/>
-        <xsd:element name="contentType" minOccurs="0" maxOccurs="1" type="xsd:string" ma:index="0" ma:displayName="Turinio tipas"/>
-        <xsd:element ref="dc:title" minOccurs="0" maxOccurs="1" ma:index="4" ma:displayName="Antraštė"/>
+        <xsd:element name="contentType" minOccurs="0" maxOccurs="1" type="xsd:string" ma:index="0" ma:displayName="Content Type"/>
+        <xsd:element ref="dc:title" minOccurs="0" maxOccurs="1" ma:index="4" ma:displayName="Title"/>
         <xsd:element ref="dc:subject" minOccurs="0" maxOccurs="1"/>
         <xsd:element ref="dc:description" minOccurs="0" maxOccurs="1"/>
         <xsd:element name="keywords" minOccurs="0" maxOccurs="1" type="xsd:string"/>
@@ -19115,12 +18346,6 @@
 </ct:contentTypeSchema>
 </file>
 
-<file path=customXml/item3.xml><?xml version="1.0" encoding="utf-8"?>
-<p:properties xmlns:p="http://schemas.microsoft.com/office/2006/metadata/properties" xmlns:xsi="http://www.w3.org/2001/XMLSchema-instance" xmlns:pc="http://schemas.microsoft.com/office/infopath/2007/PartnerControls">
-  <documentManagement/>
-</p:properties>
-</file>
-
 <file path=customXml/itemProps1.xml><?xml version="1.0" encoding="utf-8"?>
 <ds:datastoreItem xmlns:ds="http://schemas.openxmlformats.org/officeDocument/2006/customXml" ds:itemID="{757D72BC-9185-4D0C-BC06-4B3F4F34ACA9}">
   <ds:schemaRefs>
@@ -19130,16 +18355,35 @@
 </file>
 
 <file path=customXml/itemProps2.xml><?xml version="1.0" encoding="utf-8"?>
-<ds:datastoreItem xmlns:ds="http://schemas.openxmlformats.org/officeDocument/2006/customXml" ds:itemID="{9D1D48F0-B433-46B2-9F93-248DB3402931}"/>
+<ds:datastoreItem xmlns:ds="http://schemas.openxmlformats.org/officeDocument/2006/customXml" ds:itemID="{5431EA9C-10DD-4CC6-8D29-078408DD189C}">
+  <ds:schemaRefs>
+    <ds:schemaRef ds:uri="http://purl.org/dc/terms/"/>
+    <ds:schemaRef ds:uri="http://schemas.openxmlformats.org/package/2006/metadata/core-properties"/>
+    <ds:schemaRef ds:uri="http://schemas.microsoft.com/office/2006/documentManagement/types"/>
+    <ds:schemaRef ds:uri="http://schemas.microsoft.com/office/infopath/2007/PartnerControls"/>
+    <ds:schemaRef ds:uri="a3b97f0a-8a49-47eb-801c-707cd9a5bca1"/>
+    <ds:schemaRef ds:uri="http://purl.org/dc/elements/1.1/"/>
+    <ds:schemaRef ds:uri="http://schemas.microsoft.com/office/2006/metadata/properties"/>
+    <ds:schemaRef ds:uri="http://www.w3.org/XML/1998/namespace"/>
+    <ds:schemaRef ds:uri="http://purl.org/dc/dcmitype/"/>
+  </ds:schemaRefs>
+</ds:datastoreItem>
 </file>
 
 <file path=customXml/itemProps3.xml><?xml version="1.0" encoding="utf-8"?>
-<ds:datastoreItem xmlns:ds="http://schemas.openxmlformats.org/officeDocument/2006/customXml" ds:itemID="{5431EA9C-10DD-4CC6-8D29-078408DD189C}">
+<ds:datastoreItem xmlns:ds="http://schemas.openxmlformats.org/officeDocument/2006/customXml" ds:itemID="{8B1E98CD-799B-4CCB-928F-60A96865EFAE}">
   <ds:schemaRefs>
+    <ds:schemaRef ds:uri="http://schemas.microsoft.com/office/2006/metadata/contentType"/>
+    <ds:schemaRef ds:uri="http://schemas.microsoft.com/office/2006/metadata/properties/metaAttributes"/>
+    <ds:schemaRef ds:uri="http://www.w3.org/2001/XMLSchema"/>
     <ds:schemaRef ds:uri="http://schemas.microsoft.com/office/2006/metadata/properties"/>
+    <ds:schemaRef ds:uri="a3b97f0a-8a49-47eb-801c-707cd9a5bca1"/>
+    <ds:schemaRef ds:uri="http://schemas.microsoft.com/office/2006/documentManagement/types"/>
     <ds:schemaRef ds:uri="http://schemas.microsoft.com/office/infopath/2007/PartnerControls"/>
-    <ds:schemaRef ds:uri="dfba18a5-4def-493e-9a27-56c6f2b5380e"/>
-    <ds:schemaRef ds:uri="8fd74652-856b-4187-813f-14c8f0d1a315"/>
+    <ds:schemaRef ds:uri="http://schemas.openxmlformats.org/package/2006/metadata/core-properties"/>
+    <ds:schemaRef ds:uri="http://purl.org/dc/elements/1.1/"/>
+    <ds:schemaRef ds:uri="http://purl.org/dc/terms/"/>
+    <ds:schemaRef ds:uri="http://schemas.microsoft.com/internal/obd"/>
   </ds:schemaRefs>
 </ds:datastoreItem>
 </file>